--- a/PresentationCreatorAPI/uploads/presentations/1/NewPresentation.pptx
+++ b/PresentationCreatorAPI/uploads/presentations/1/NewPresentation.pptx
@@ -278,7 +278,7 @@
           <a:bodyPr/>
           <a:lstStyle/>
           <a:p>
-            <a:fld id="{BDB439F6-53A7-4C0F-8807-B31A79179067}" type="datetimeFigureOut">
+            <a:fld id="{858724FD-E349-4878-A99D-E38CFAF62EC4}" type="datetimeFigureOut">
               <a:rPr lang="en-US" smtClean="0"/>
               <a:t>11/7/2009</a:t>
             </a:fld>
@@ -442,7 +442,7 @@
           <a:bodyPr/>
           <a:lstStyle/>
           <a:p>
-            <a:fld id="{25243A69-32B6-46FF-93FE-2C8C2E4C866D}" type="datetimeFigureOut">
+            <a:fld id="{ED2F40BA-D7FC-453E-9162-AA1A9CF74E94}" type="datetimeFigureOut">
               <a:rPr lang="en-US" smtClean="0"/>
               <a:t>11/7/2009</a:t>
             </a:fld>
@@ -606,7 +606,7 @@
           <a:bodyPr/>
           <a:lstStyle/>
           <a:p>
-            <a:fld id="{1DAB765A-0FDD-44FC-89AC-00FA66611D13}" type="datetimeFigureOut">
+            <a:fld id="{05003056-9F6D-4EC1-ABAD-ED97456CEEAE}" type="datetimeFigureOut">
               <a:rPr lang="en-US" smtClean="0"/>
               <a:t>11/7/2009</a:t>
             </a:fld>
@@ -770,7 +770,7 @@
           <a:bodyPr/>
           <a:lstStyle/>
           <a:p>
-            <a:fld id="{5C7A17D0-BBB2-46DC-9B09-6D3AA718ADAC}" type="datetimeFigureOut">
+            <a:fld id="{585197DB-419E-4175-8B22-F572F4150087}" type="datetimeFigureOut">
               <a:rPr lang="en-US" smtClean="0"/>
               <a:t>11/7/2009</a:t>
             </a:fld>
@@ -1000,7 +1000,7 @@
           <a:bodyPr/>
           <a:lstStyle/>
           <a:p>
-            <a:fld id="{ABD8E1D6-5EBE-43AB-93FA-44C67501B288}" type="datetimeFigureOut">
+            <a:fld id="{E11CEDB1-5438-4E60-980A-37D132E31DCE}" type="datetimeFigureOut">
               <a:rPr lang="en-US" smtClean="0"/>
               <a:t>11/7/2009</a:t>
             </a:fld>
@@ -1271,7 +1271,7 @@
           <a:bodyPr/>
           <a:lstStyle/>
           <a:p>
-            <a:fld id="{0E22FE3E-A97C-42A6-9760-DF239D0DAB5F}" type="datetimeFigureOut">
+            <a:fld id="{5C78F132-F9BA-4123-B86B-366673C9C3A7}" type="datetimeFigureOut">
               <a:rPr lang="en-US" smtClean="0"/>
               <a:t>11/7/2009</a:t>
             </a:fld>
@@ -1660,7 +1660,7 @@
           <a:bodyPr/>
           <a:lstStyle/>
           <a:p>
-            <a:fld id="{885877A2-6315-4AE9-8750-FCABAA980406}" type="datetimeFigureOut">
+            <a:fld id="{88B8C8F6-2C91-40CA-A79A-1AA2F644D958}" type="datetimeFigureOut">
               <a:rPr lang="en-US" smtClean="0"/>
               <a:t>11/7/2009</a:t>
             </a:fld>
@@ -1773,7 +1773,7 @@
           <a:bodyPr/>
           <a:lstStyle/>
           <a:p>
-            <a:fld id="{D7FA35FF-B028-4502-88B1-3206550F2326}" type="datetimeFigureOut">
+            <a:fld id="{3C1DF7AB-4FDA-400D-8119-B1BAFE90AB8E}" type="datetimeFigureOut">
               <a:rPr lang="en-US" smtClean="0"/>
               <a:t>11/7/2009</a:t>
             </a:fld>
@@ -1863,7 +1863,7 @@
           <a:bodyPr/>
           <a:lstStyle/>
           <a:p>
-            <a:fld id="{B174CA20-86FE-4161-92AC-FCCCDA5B7320}" type="datetimeFigureOut">
+            <a:fld id="{F05C8CF5-D39F-454A-945A-E1F3B0956993}" type="datetimeFigureOut">
               <a:rPr lang="en-US" smtClean="0"/>
               <a:t>11/7/2009</a:t>
             </a:fld>
@@ -2118,7 +2118,7 @@
           <a:bodyPr/>
           <a:lstStyle/>
           <a:p>
-            <a:fld id="{3DC77BAB-4735-4218-8FFD-28D387F94C87}" type="datetimeFigureOut">
+            <a:fld id="{04E38578-8CA2-4183-8DEA-7097153BEA9F}" type="datetimeFigureOut">
               <a:rPr lang="en-US" smtClean="0"/>
               <a:t>11/7/2009</a:t>
             </a:fld>
@@ -2350,7 +2350,7 @@
           <a:bodyPr/>
           <a:lstStyle/>
           <a:p>
-            <a:fld id="{2A613142-2965-4CEA-AB8B-D347F331FFFE}" type="datetimeFigureOut">
+            <a:fld id="{C40953E4-1DED-4793-BDAC-79FE5580A551}" type="datetimeFigureOut">
               <a:rPr lang="en-US" smtClean="0"/>
               <a:t>11/7/2009</a:t>
             </a:fld>
@@ -2937,10 +2937,10 @@
         </p:nvSpPr>
         <p:spPr>
           <a:xfrm>
-            <a:off x="1905000" y="952500"/>
-            <a:ext cx="1905000" cy="635000"/>
+            <a:off x="0" y="0"/>
+            <a:ext cx="20320000" cy="11430000"/>
           </a:xfrm>
-          <a:prstGeom prst="rect">
+          <a:prstGeom prst="flowChartAlternateProcess">
             <a:avLst/>
           </a:prstGeom>
         </p:spPr>
@@ -2986,7 +2986,7 @@
         <p:spPr>
           <a:xfrm>
             <a:off x="0" y="0"/>
-            <a:ext cx="203200" cy="114300"/>
+            <a:ext cx="20320000" cy="11430000"/>
           </a:xfrm>
           <a:prstGeom prst="rect">
             <a:avLst/>
